--- a/Sprint Planning/Scrum meeting 2.pptx
+++ b/Sprint Planning/Scrum meeting 2.pptx
@@ -7,10 +7,11 @@
   <p:sldIdLst>
     <p:sldId id="257" r:id="rId2"/>
     <p:sldId id="258" r:id="rId3"/>
-    <p:sldId id="261" r:id="rId4"/>
-    <p:sldId id="259" r:id="rId5"/>
-    <p:sldId id="262" r:id="rId6"/>
-    <p:sldId id="260" r:id="rId7"/>
+    <p:sldId id="263" r:id="rId4"/>
+    <p:sldId id="261" r:id="rId5"/>
+    <p:sldId id="259" r:id="rId6"/>
+    <p:sldId id="262" r:id="rId7"/>
+    <p:sldId id="260" r:id="rId8"/>
   </p:sldIdLst>
   <p:sldSz cx="12192000" cy="6858000"/>
   <p:notesSz cx="6858000" cy="9144000"/>
@@ -109,6 +110,11 @@
       </a:defRPr>
     </a:lvl9pPr>
   </p:defaultTextStyle>
+  <p:extLst>
+    <p:ext uri="{EFAFB233-063F-42B5-8137-9DF3F51BA10A}">
+      <p15:sldGuideLst xmlns:p15="http://schemas.microsoft.com/office/powerpoint/2012/main"/>
+    </p:ext>
+  </p:extLst>
 </p:presentation>
 </file>
 
@@ -447,7 +453,7 @@
           <a:p>
             <a:fld id="{5D61C842-B35D-4459-B706-73C50CD3B277}" type="datetimeFigureOut">
               <a:rPr lang="nl-NL" smtClean="0"/>
-              <a:t>24-3-2021</a:t>
+              <a:t>25-3-2021</a:t>
             </a:fld>
             <a:endParaRPr lang="nl-NL"/>
           </a:p>
@@ -545,7 +551,7 @@
           <a:p>
             <a:fld id="{F1AD1AF2-50A6-47A8-A17C-5A47BC7AAECA}" type="slidenum">
               <a:rPr lang="nl-NL" smtClean="0"/>
-              <a:t>‹nr.›</a:t>
+              <a:t>‹#›</a:t>
             </a:fld>
             <a:endParaRPr lang="nl-NL"/>
           </a:p>
@@ -1535,7 +1541,7 @@
           <a:p>
             <a:fld id="{5D61C842-B35D-4459-B706-73C50CD3B277}" type="datetimeFigureOut">
               <a:rPr lang="nl-NL" smtClean="0"/>
-              <a:t>24-3-2021</a:t>
+              <a:t>25-3-2021</a:t>
             </a:fld>
             <a:endParaRPr lang="nl-NL"/>
           </a:p>
@@ -1613,7 +1619,7 @@
           <a:p>
             <a:fld id="{F1AD1AF2-50A6-47A8-A17C-5A47BC7AAECA}" type="slidenum">
               <a:rPr lang="nl-NL" smtClean="0"/>
-              <a:t>‹nr.›</a:t>
+              <a:t>‹#›</a:t>
             </a:fld>
             <a:endParaRPr lang="nl-NL"/>
           </a:p>
@@ -2515,7 +2521,7 @@
           <a:p>
             <a:fld id="{5D61C842-B35D-4459-B706-73C50CD3B277}" type="datetimeFigureOut">
               <a:rPr lang="nl-NL" smtClean="0"/>
-              <a:t>24-3-2021</a:t>
+              <a:t>25-3-2021</a:t>
             </a:fld>
             <a:endParaRPr lang="nl-NL"/>
           </a:p>
@@ -2593,7 +2599,7 @@
           <a:p>
             <a:fld id="{F1AD1AF2-50A6-47A8-A17C-5A47BC7AAECA}" type="slidenum">
               <a:rPr lang="nl-NL" smtClean="0"/>
-              <a:t>‹nr.›</a:t>
+              <a:t>‹#›</a:t>
             </a:fld>
             <a:endParaRPr lang="nl-NL"/>
           </a:p>
@@ -3649,7 +3655,7 @@
           <a:p>
             <a:fld id="{5D61C842-B35D-4459-B706-73C50CD3B277}" type="datetimeFigureOut">
               <a:rPr lang="nl-NL" smtClean="0"/>
-              <a:t>24-3-2021</a:t>
+              <a:t>25-3-2021</a:t>
             </a:fld>
             <a:endParaRPr lang="nl-NL"/>
           </a:p>
@@ -3727,7 +3733,7 @@
           <a:p>
             <a:fld id="{F1AD1AF2-50A6-47A8-A17C-5A47BC7AAECA}" type="slidenum">
               <a:rPr lang="nl-NL" smtClean="0"/>
-              <a:t>‹nr.›</a:t>
+              <a:t>‹#›</a:t>
             </a:fld>
             <a:endParaRPr lang="nl-NL"/>
           </a:p>
@@ -4682,7 +4688,7 @@
           <a:p>
             <a:fld id="{5D61C842-B35D-4459-B706-73C50CD3B277}" type="datetimeFigureOut">
               <a:rPr lang="nl-NL" smtClean="0"/>
-              <a:t>24-3-2021</a:t>
+              <a:t>25-3-2021</a:t>
             </a:fld>
             <a:endParaRPr lang="nl-NL"/>
           </a:p>
@@ -4760,7 +4766,7 @@
           <a:p>
             <a:fld id="{F1AD1AF2-50A6-47A8-A17C-5A47BC7AAECA}" type="slidenum">
               <a:rPr lang="nl-NL" smtClean="0"/>
-              <a:t>‹nr.›</a:t>
+              <a:t>‹#›</a:t>
             </a:fld>
             <a:endParaRPr lang="nl-NL"/>
           </a:p>
@@ -5342,7 +5348,7 @@
           <a:p>
             <a:fld id="{5D61C842-B35D-4459-B706-73C50CD3B277}" type="datetimeFigureOut">
               <a:rPr lang="nl-NL" smtClean="0"/>
-              <a:t>24-3-2021</a:t>
+              <a:t>25-3-2021</a:t>
             </a:fld>
             <a:endParaRPr lang="nl-NL"/>
           </a:p>
@@ -5384,7 +5390,7 @@
           <a:p>
             <a:fld id="{F1AD1AF2-50A6-47A8-A17C-5A47BC7AAECA}" type="slidenum">
               <a:rPr lang="nl-NL" smtClean="0"/>
-              <a:t>‹nr.›</a:t>
+              <a:t>‹#›</a:t>
             </a:fld>
             <a:endParaRPr lang="nl-NL"/>
           </a:p>
@@ -6203,7 +6209,7 @@
           <a:p>
             <a:fld id="{5D61C842-B35D-4459-B706-73C50CD3B277}" type="datetimeFigureOut">
               <a:rPr lang="nl-NL" smtClean="0"/>
-              <a:t>24-3-2021</a:t>
+              <a:t>25-3-2021</a:t>
             </a:fld>
             <a:endParaRPr lang="nl-NL"/>
           </a:p>
@@ -6250,7 +6256,7 @@
           <a:p>
             <a:fld id="{F1AD1AF2-50A6-47A8-A17C-5A47BC7AAECA}" type="slidenum">
               <a:rPr lang="nl-NL" smtClean="0"/>
-              <a:t>‹nr.›</a:t>
+              <a:t>‹#›</a:t>
             </a:fld>
             <a:endParaRPr lang="nl-NL"/>
           </a:p>
@@ -6393,7 +6399,7 @@
           <a:p>
             <a:fld id="{5D61C842-B35D-4459-B706-73C50CD3B277}" type="datetimeFigureOut">
               <a:rPr lang="nl-NL" smtClean="0"/>
-              <a:t>24-3-2021</a:t>
+              <a:t>25-3-2021</a:t>
             </a:fld>
             <a:endParaRPr lang="nl-NL"/>
           </a:p>
@@ -6435,7 +6441,7 @@
           <a:p>
             <a:fld id="{F1AD1AF2-50A6-47A8-A17C-5A47BC7AAECA}" type="slidenum">
               <a:rPr lang="nl-NL" smtClean="0"/>
-              <a:t>‹nr.›</a:t>
+              <a:t>‹#›</a:t>
             </a:fld>
             <a:endParaRPr lang="nl-NL"/>
           </a:p>
@@ -7365,7 +7371,7 @@
           <a:p>
             <a:fld id="{5D61C842-B35D-4459-B706-73C50CD3B277}" type="datetimeFigureOut">
               <a:rPr lang="nl-NL" smtClean="0"/>
-              <a:t>24-3-2021</a:t>
+              <a:t>25-3-2021</a:t>
             </a:fld>
             <a:endParaRPr lang="nl-NL"/>
           </a:p>
@@ -7443,7 +7449,7 @@
           <a:p>
             <a:fld id="{F1AD1AF2-50A6-47A8-A17C-5A47BC7AAECA}" type="slidenum">
               <a:rPr lang="nl-NL" smtClean="0"/>
-              <a:t>‹nr.›</a:t>
+              <a:t>‹#›</a:t>
             </a:fld>
             <a:endParaRPr lang="nl-NL"/>
           </a:p>
@@ -7576,7 +7582,7 @@
           <a:p>
             <a:fld id="{5D61C842-B35D-4459-B706-73C50CD3B277}" type="datetimeFigureOut">
               <a:rPr lang="nl-NL" smtClean="0"/>
-              <a:t>24-3-2021</a:t>
+              <a:t>25-3-2021</a:t>
             </a:fld>
             <a:endParaRPr lang="nl-NL"/>
           </a:p>
@@ -7618,7 +7624,7 @@
           <a:p>
             <a:fld id="{F1AD1AF2-50A6-47A8-A17C-5A47BC7AAECA}" type="slidenum">
               <a:rPr lang="nl-NL" smtClean="0"/>
-              <a:t>‹nr.›</a:t>
+              <a:t>‹#›</a:t>
             </a:fld>
             <a:endParaRPr lang="nl-NL"/>
           </a:p>
@@ -8610,7 +8616,7 @@
           <a:p>
             <a:fld id="{5D61C842-B35D-4459-B706-73C50CD3B277}" type="datetimeFigureOut">
               <a:rPr lang="nl-NL" smtClean="0"/>
-              <a:t>24-3-2021</a:t>
+              <a:t>25-3-2021</a:t>
             </a:fld>
             <a:endParaRPr lang="nl-NL"/>
           </a:p>
@@ -8688,7 +8694,7 @@
           <a:p>
             <a:fld id="{F1AD1AF2-50A6-47A8-A17C-5A47BC7AAECA}" type="slidenum">
               <a:rPr lang="nl-NL" smtClean="0"/>
-              <a:t>‹nr.›</a:t>
+              <a:t>‹#›</a:t>
             </a:fld>
             <a:endParaRPr lang="nl-NL"/>
           </a:p>
@@ -8882,7 +8888,7 @@
           <a:p>
             <a:fld id="{5D61C842-B35D-4459-B706-73C50CD3B277}" type="datetimeFigureOut">
               <a:rPr lang="nl-NL" smtClean="0"/>
-              <a:t>24-3-2021</a:t>
+              <a:t>25-3-2021</a:t>
             </a:fld>
             <a:endParaRPr lang="nl-NL"/>
           </a:p>
@@ -8924,7 +8930,7 @@
           <a:p>
             <a:fld id="{F1AD1AF2-50A6-47A8-A17C-5A47BC7AAECA}" type="slidenum">
               <a:rPr lang="nl-NL" smtClean="0"/>
-              <a:t>‹nr.›</a:t>
+              <a:t>‹#›</a:t>
             </a:fld>
             <a:endParaRPr lang="nl-NL"/>
           </a:p>
@@ -9292,7 +9298,7 @@
           <a:p>
             <a:fld id="{5D61C842-B35D-4459-B706-73C50CD3B277}" type="datetimeFigureOut">
               <a:rPr lang="nl-NL" smtClean="0"/>
-              <a:t>24-3-2021</a:t>
+              <a:t>25-3-2021</a:t>
             </a:fld>
             <a:endParaRPr lang="nl-NL"/>
           </a:p>
@@ -9334,7 +9340,7 @@
           <a:p>
             <a:fld id="{F1AD1AF2-50A6-47A8-A17C-5A47BC7AAECA}" type="slidenum">
               <a:rPr lang="nl-NL" smtClean="0"/>
-              <a:t>‹nr.›</a:t>
+              <a:t>‹#›</a:t>
             </a:fld>
             <a:endParaRPr lang="nl-NL"/>
           </a:p>
@@ -9419,7 +9425,7 @@
           <a:p>
             <a:fld id="{5D61C842-B35D-4459-B706-73C50CD3B277}" type="datetimeFigureOut">
               <a:rPr lang="nl-NL" smtClean="0"/>
-              <a:t>24-3-2021</a:t>
+              <a:t>25-3-2021</a:t>
             </a:fld>
             <a:endParaRPr lang="nl-NL"/>
           </a:p>
@@ -9461,7 +9467,7 @@
           <a:p>
             <a:fld id="{F1AD1AF2-50A6-47A8-A17C-5A47BC7AAECA}" type="slidenum">
               <a:rPr lang="nl-NL" smtClean="0"/>
-              <a:t>‹nr.›</a:t>
+              <a:t>‹#›</a:t>
             </a:fld>
             <a:endParaRPr lang="nl-NL"/>
           </a:p>
@@ -9514,7 +9520,7 @@
           <a:p>
             <a:fld id="{5D61C842-B35D-4459-B706-73C50CD3B277}" type="datetimeFigureOut">
               <a:rPr lang="nl-NL" smtClean="0"/>
-              <a:t>24-3-2021</a:t>
+              <a:t>25-3-2021</a:t>
             </a:fld>
             <a:endParaRPr lang="nl-NL"/>
           </a:p>
@@ -9592,7 +9598,7 @@
           <a:p>
             <a:fld id="{F1AD1AF2-50A6-47A8-A17C-5A47BC7AAECA}" type="slidenum">
               <a:rPr lang="nl-NL" smtClean="0"/>
-              <a:t>‹nr.›</a:t>
+              <a:t>‹#›</a:t>
             </a:fld>
             <a:endParaRPr lang="nl-NL"/>
           </a:p>
@@ -10595,7 +10601,7 @@
           <a:p>
             <a:fld id="{5D61C842-B35D-4459-B706-73C50CD3B277}" type="datetimeFigureOut">
               <a:rPr lang="nl-NL" smtClean="0"/>
-              <a:t>24-3-2021</a:t>
+              <a:t>25-3-2021</a:t>
             </a:fld>
             <a:endParaRPr lang="nl-NL"/>
           </a:p>
@@ -10673,7 +10679,7 @@
           <a:p>
             <a:fld id="{F1AD1AF2-50A6-47A8-A17C-5A47BC7AAECA}" type="slidenum">
               <a:rPr lang="nl-NL" smtClean="0"/>
-              <a:t>‹nr.›</a:t>
+              <a:t>‹#›</a:t>
             </a:fld>
             <a:endParaRPr lang="nl-NL"/>
           </a:p>
@@ -11703,7 +11709,7 @@
           <a:p>
             <a:fld id="{5D61C842-B35D-4459-B706-73C50CD3B277}" type="datetimeFigureOut">
               <a:rPr lang="nl-NL" smtClean="0"/>
-              <a:t>24-3-2021</a:t>
+              <a:t>25-3-2021</a:t>
             </a:fld>
             <a:endParaRPr lang="nl-NL"/>
           </a:p>
@@ -11781,7 +11787,7 @@
           <a:p>
             <a:fld id="{F1AD1AF2-50A6-47A8-A17C-5A47BC7AAECA}" type="slidenum">
               <a:rPr lang="nl-NL" smtClean="0"/>
-              <a:t>‹nr.›</a:t>
+              <a:t>‹#›</a:t>
             </a:fld>
             <a:endParaRPr lang="nl-NL"/>
           </a:p>
@@ -12700,7 +12706,7 @@
           <a:p>
             <a:fld id="{5D61C842-B35D-4459-B706-73C50CD3B277}" type="datetimeFigureOut">
               <a:rPr lang="nl-NL" smtClean="0"/>
-              <a:t>24-3-2021</a:t>
+              <a:t>25-3-2021</a:t>
             </a:fld>
             <a:endParaRPr lang="nl-NL"/>
           </a:p>
@@ -12810,7 +12816,7 @@
           <a:p>
             <a:fld id="{F1AD1AF2-50A6-47A8-A17C-5A47BC7AAECA}" type="slidenum">
               <a:rPr lang="nl-NL" smtClean="0"/>
-              <a:t>‹nr.›</a:t>
+              <a:t>‹#›</a:t>
             </a:fld>
             <a:endParaRPr lang="nl-NL"/>
           </a:p>
@@ -13432,6 +13438,64 @@
             <a:endParaRPr lang="en-US" dirty="0"/>
           </a:p>
           <a:p>
+            <a:r>
+              <a:rPr lang="en-US" dirty="0" err="1"/>
+              <a:t>Communicatie</a:t>
+            </a:r>
+            <a:r>
+              <a:rPr lang="en-US" dirty="0"/>
+              <a:t> </a:t>
+            </a:r>
+            <a:r>
+              <a:rPr lang="en-US" dirty="0" err="1"/>
+              <a:t>tussen</a:t>
+            </a:r>
+            <a:r>
+              <a:rPr lang="en-US" dirty="0"/>
+              <a:t> java </a:t>
+            </a:r>
+            <a:r>
+              <a:rPr lang="en-US" dirty="0" err="1"/>
+              <a:t>en</a:t>
+            </a:r>
+            <a:r>
+              <a:rPr lang="en-US" dirty="0"/>
+              <a:t> de serial monitor </a:t>
+            </a:r>
+          </a:p>
+          <a:p>
+            <a:r>
+              <a:rPr lang="en-US" dirty="0"/>
+              <a:t>Flowchart </a:t>
+            </a:r>
+            <a:r>
+              <a:rPr lang="en-US" dirty="0" err="1"/>
+              <a:t>maken</a:t>
+            </a:r>
+            <a:r>
+              <a:rPr lang="en-US" dirty="0"/>
+              <a:t> van de GUI</a:t>
+            </a:r>
+          </a:p>
+          <a:p>
+            <a:r>
+              <a:rPr lang="en-US" dirty="0"/>
+              <a:t>Bon printer</a:t>
+            </a:r>
+          </a:p>
+          <a:p>
+            <a:pPr marL="0" indent="0">
+              <a:buNone/>
+            </a:pPr>
+            <a:endParaRPr lang="en-US" dirty="0"/>
+          </a:p>
+          <a:p>
+            <a:pPr marL="0" indent="0">
+              <a:buNone/>
+            </a:pPr>
+            <a:endParaRPr lang="en-US" dirty="0"/>
+          </a:p>
+          <a:p>
             <a:endParaRPr lang="en-US" dirty="0"/>
           </a:p>
           <a:p>
@@ -13453,6 +13517,99 @@
 </file>
 
 <file path=ppt/slides/slide3.xml><?xml version="1.0" encoding="utf-8"?>
+<p:sld xmlns:a="http://schemas.openxmlformats.org/drawingml/2006/main" xmlns:r="http://schemas.openxmlformats.org/officeDocument/2006/relationships" xmlns:p="http://schemas.openxmlformats.org/presentationml/2006/main">
+  <p:cSld>
+    <p:spTree>
+      <p:nvGrpSpPr>
+        <p:cNvPr id="1" name=""/>
+        <p:cNvGrpSpPr/>
+        <p:nvPr/>
+      </p:nvGrpSpPr>
+      <p:grpSpPr>
+        <a:xfrm>
+          <a:off x="0" y="0"/>
+          <a:ext cx="0" cy="0"/>
+          <a:chOff x="0" y="0"/>
+          <a:chExt cx="0" cy="0"/>
+        </a:xfrm>
+      </p:grpSpPr>
+      <p:sp>
+        <p:nvSpPr>
+          <p:cNvPr id="2" name="Title 1">
+            <a:extLst>
+              <a:ext uri="{FF2B5EF4-FFF2-40B4-BE49-F238E27FC236}">
+                <a16:creationId xmlns:a16="http://schemas.microsoft.com/office/drawing/2014/main" id="{43C2FD8A-609C-4E46-A95D-B0B3D17C352E}"/>
+              </a:ext>
+            </a:extLst>
+          </p:cNvPr>
+          <p:cNvSpPr>
+            <a:spLocks noGrp="1"/>
+          </p:cNvSpPr>
+          <p:nvPr>
+            <p:ph type="title"/>
+          </p:nvPr>
+        </p:nvSpPr>
+        <p:spPr/>
+        <p:txBody>
+          <a:bodyPr/>
+          <a:lstStyle/>
+          <a:p>
+            <a:r>
+              <a:rPr lang="en-US" dirty="0"/>
+              <a:t>Flowchart GUI</a:t>
+            </a:r>
+          </a:p>
+        </p:txBody>
+      </p:sp>
+      <p:pic>
+        <p:nvPicPr>
+          <p:cNvPr id="9" name="Content Placeholder 8">
+            <a:extLst>
+              <a:ext uri="{FF2B5EF4-FFF2-40B4-BE49-F238E27FC236}">
+                <a16:creationId xmlns:a16="http://schemas.microsoft.com/office/drawing/2014/main" id="{D40894A4-D18A-4F13-BE31-6188480DEE47}"/>
+              </a:ext>
+            </a:extLst>
+          </p:cNvPr>
+          <p:cNvPicPr>
+            <a:picLocks noGrp="1" noChangeAspect="1"/>
+          </p:cNvPicPr>
+          <p:nvPr>
+            <p:ph idx="1"/>
+          </p:nvPr>
+        </p:nvPicPr>
+        <p:blipFill>
+          <a:blip r:embed="rId2">
+            <a:extLst>
+              <a:ext uri="{28A0092B-C50C-407E-A947-70E740481C1C}">
+                <a14:useLocalDpi xmlns:a14="http://schemas.microsoft.com/office/drawing/2010/main" val="0"/>
+              </a:ext>
+            </a:extLst>
+          </a:blip>
+          <a:stretch>
+            <a:fillRect/>
+          </a:stretch>
+        </p:blipFill>
+        <p:spPr>
+          <a:xfrm>
+            <a:off x="3928194" y="2410691"/>
+            <a:ext cx="3719514" cy="4447309"/>
+          </a:xfrm>
+        </p:spPr>
+      </p:pic>
+    </p:spTree>
+    <p:extLst>
+      <p:ext uri="{BB962C8B-B14F-4D97-AF65-F5344CB8AC3E}">
+        <p14:creationId xmlns:p14="http://schemas.microsoft.com/office/powerpoint/2010/main" val="1514035918"/>
+      </p:ext>
+    </p:extLst>
+  </p:cSld>
+  <p:clrMapOvr>
+    <a:masterClrMapping/>
+  </p:clrMapOvr>
+</p:sld>
+</file>
+
+<file path=ppt/slides/slide4.xml><?xml version="1.0" encoding="utf-8"?>
 <p:sld xmlns:a="http://schemas.openxmlformats.org/drawingml/2006/main" xmlns:r="http://schemas.openxmlformats.org/officeDocument/2006/relationships" xmlns:p="http://schemas.openxmlformats.org/presentationml/2006/main">
   <p:cSld>
     <p:bg>
@@ -13754,7 +13911,7 @@
 </p:sld>
 </file>
 
-<file path=ppt/slides/slide4.xml><?xml version="1.0" encoding="utf-8"?>
+<file path=ppt/slides/slide5.xml><?xml version="1.0" encoding="utf-8"?>
 <p:sld xmlns:a="http://schemas.openxmlformats.org/drawingml/2006/main" xmlns:r="http://schemas.openxmlformats.org/officeDocument/2006/relationships" xmlns:p="http://schemas.openxmlformats.org/presentationml/2006/main">
   <p:cSld>
     <p:spTree>
@@ -15566,7 +15723,7 @@
 </p:sld>
 </file>
 
-<file path=ppt/slides/slide5.xml><?xml version="1.0" encoding="utf-8"?>
+<file path=ppt/slides/slide6.xml><?xml version="1.0" encoding="utf-8"?>
 <p:sld xmlns:a="http://schemas.openxmlformats.org/drawingml/2006/main" xmlns:r="http://schemas.openxmlformats.org/officeDocument/2006/relationships" xmlns:p="http://schemas.openxmlformats.org/presentationml/2006/main">
   <p:cSld>
     <p:spTree>
@@ -16488,7 +16645,7 @@
 </p:sld>
 </file>
 
-<file path=ppt/slides/slide6.xml><?xml version="1.0" encoding="utf-8"?>
+<file path=ppt/slides/slide7.xml><?xml version="1.0" encoding="utf-8"?>
 <p:sld xmlns:a="http://schemas.openxmlformats.org/drawingml/2006/main" xmlns:r="http://schemas.openxmlformats.org/officeDocument/2006/relationships" xmlns:p="http://schemas.openxmlformats.org/presentationml/2006/main">
   <p:cSld>
     <p:spTree>

--- a/Sprint Planning/Scrum meeting 2.pptx
+++ b/Sprint Planning/Scrum meeting 2.pptx
@@ -3677,6 +3677,16 @@
             </a:r>
           </a:p>
           <a:p>
+            <a:r>
+              <a:rPr lang="en-US" dirty="0" err="1"/>
+              <a:t>Risicoloog</a:t>
+            </a:r>
+            <a:r>
+              <a:rPr lang="en-US" dirty="0"/>
+              <a:t> </a:t>
+            </a:r>
+          </a:p>
+          <a:p>
             <a:pPr marL="0" indent="0">
               <a:buNone/>
             </a:pPr>

--- a/Sprint Planning/Scrum meeting 2.pptx
+++ b/Sprint Planning/Scrum meeting 2.pptx
@@ -8,11 +8,12 @@
     <p:sldId id="257" r:id="rId2"/>
     <p:sldId id="258" r:id="rId3"/>
     <p:sldId id="263" r:id="rId4"/>
-    <p:sldId id="261" r:id="rId5"/>
-    <p:sldId id="259" r:id="rId6"/>
-    <p:sldId id="262" r:id="rId7"/>
-    <p:sldId id="265" r:id="rId8"/>
-    <p:sldId id="260" r:id="rId9"/>
+    <p:sldId id="266" r:id="rId5"/>
+    <p:sldId id="261" r:id="rId6"/>
+    <p:sldId id="259" r:id="rId7"/>
+    <p:sldId id="262" r:id="rId8"/>
+    <p:sldId id="265" r:id="rId9"/>
+    <p:sldId id="260" r:id="rId10"/>
   </p:sldIdLst>
   <p:sldSz cx="12192000" cy="6858000"/>
   <p:notesSz cx="6858000" cy="9144000"/>
@@ -310,7 +311,7 @@
           <a:p>
             <a:fld id="{F1AD1AF2-50A6-47A8-A17C-5A47BC7AAECA}" type="slidenum">
               <a:rPr lang="nl-NL" smtClean="0"/>
-              <a:t>‹#›</a:t>
+              <a:t>‹nr.›</a:t>
             </a:fld>
             <a:endParaRPr lang="nl-NL"/>
           </a:p>
@@ -480,7 +481,7 @@
           <a:p>
             <a:fld id="{F1AD1AF2-50A6-47A8-A17C-5A47BC7AAECA}" type="slidenum">
               <a:rPr lang="nl-NL" smtClean="0"/>
-              <a:t>‹#›</a:t>
+              <a:t>‹nr.›</a:t>
             </a:fld>
             <a:endParaRPr lang="nl-NL"/>
           </a:p>
@@ -664,7 +665,7 @@
           <a:p>
             <a:fld id="{F1AD1AF2-50A6-47A8-A17C-5A47BC7AAECA}" type="slidenum">
               <a:rPr lang="nl-NL" smtClean="0"/>
-              <a:t>‹#›</a:t>
+              <a:t>‹nr.›</a:t>
             </a:fld>
             <a:endParaRPr lang="nl-NL"/>
           </a:p>
@@ -834,7 +835,7 @@
           <a:p>
             <a:fld id="{F1AD1AF2-50A6-47A8-A17C-5A47BC7AAECA}" type="slidenum">
               <a:rPr lang="nl-NL" smtClean="0"/>
-              <a:t>‹#›</a:t>
+              <a:t>‹nr.›</a:t>
             </a:fld>
             <a:endParaRPr lang="nl-NL"/>
           </a:p>
@@ -1082,7 +1083,7 @@
           <a:p>
             <a:fld id="{F1AD1AF2-50A6-47A8-A17C-5A47BC7AAECA}" type="slidenum">
               <a:rPr lang="nl-NL" smtClean="0"/>
-              <a:t>‹#›</a:t>
+              <a:t>‹nr.›</a:t>
             </a:fld>
             <a:endParaRPr lang="nl-NL"/>
           </a:p>
@@ -1319,7 +1320,7 @@
           <a:p>
             <a:fld id="{F1AD1AF2-50A6-47A8-A17C-5A47BC7AAECA}" type="slidenum">
               <a:rPr lang="nl-NL" smtClean="0"/>
-              <a:t>‹#›</a:t>
+              <a:t>‹nr.›</a:t>
             </a:fld>
             <a:endParaRPr lang="nl-NL"/>
           </a:p>
@@ -1704,7 +1705,7 @@
           <a:p>
             <a:fld id="{F1AD1AF2-50A6-47A8-A17C-5A47BC7AAECA}" type="slidenum">
               <a:rPr lang="nl-NL" smtClean="0"/>
-              <a:t>‹#›</a:t>
+              <a:t>‹nr.›</a:t>
             </a:fld>
             <a:endParaRPr lang="nl-NL"/>
           </a:p>
@@ -1822,7 +1823,7 @@
           <a:p>
             <a:fld id="{F1AD1AF2-50A6-47A8-A17C-5A47BC7AAECA}" type="slidenum">
               <a:rPr lang="nl-NL" smtClean="0"/>
-              <a:t>‹#›</a:t>
+              <a:t>‹nr.›</a:t>
             </a:fld>
             <a:endParaRPr lang="nl-NL"/>
           </a:p>
@@ -1917,7 +1918,7 @@
           <a:p>
             <a:fld id="{F1AD1AF2-50A6-47A8-A17C-5A47BC7AAECA}" type="slidenum">
               <a:rPr lang="nl-NL" smtClean="0"/>
-              <a:t>‹#›</a:t>
+              <a:t>‹nr.›</a:t>
             </a:fld>
             <a:endParaRPr lang="nl-NL"/>
           </a:p>
@@ -2168,7 +2169,7 @@
           <a:p>
             <a:fld id="{F1AD1AF2-50A6-47A8-A17C-5A47BC7AAECA}" type="slidenum">
               <a:rPr lang="nl-NL" smtClean="0"/>
-              <a:t>‹#›</a:t>
+              <a:t>‹nr.›</a:t>
             </a:fld>
             <a:endParaRPr lang="nl-NL"/>
           </a:p>
@@ -2564,7 +2565,7 @@
           <a:p>
             <a:fld id="{F1AD1AF2-50A6-47A8-A17C-5A47BC7AAECA}" type="slidenum">
               <a:rPr lang="nl-NL" smtClean="0"/>
-              <a:t>‹#›</a:t>
+              <a:t>‹nr.›</a:t>
             </a:fld>
             <a:endParaRPr lang="nl-NL"/>
           </a:p>
@@ -2811,7 +2812,7 @@
           <a:p>
             <a:fld id="{F1AD1AF2-50A6-47A8-A17C-5A47BC7AAECA}" type="slidenum">
               <a:rPr lang="nl-NL" smtClean="0"/>
-              <a:t>‹#›</a:t>
+              <a:t>‹nr.›</a:t>
             </a:fld>
             <a:endParaRPr lang="nl-NL"/>
           </a:p>
@@ -3672,6 +3673,21 @@
           </a:p>
           <a:p>
             <a:r>
+              <a:rPr lang="en-US" dirty="0" err="1"/>
+              <a:t>Architectuur</a:t>
+            </a:r>
+            <a:r>
+              <a:rPr lang="en-US" dirty="0"/>
+              <a:t> </a:t>
+            </a:r>
+            <a:r>
+              <a:rPr lang="en-US" dirty="0" err="1"/>
+              <a:t>ontwerp</a:t>
+            </a:r>
+            <a:endParaRPr lang="en-US" dirty="0"/>
+          </a:p>
+          <a:p>
+            <a:r>
               <a:rPr lang="en-US" dirty="0"/>
               <a:t>Bon printer</a:t>
             </a:r>
@@ -3813,6 +3829,575 @@
 </file>
 
 <file path=ppt/slides/slide4.xml><?xml version="1.0" encoding="utf-8"?>
+<p:sld xmlns:a="http://schemas.openxmlformats.org/drawingml/2006/main" xmlns:r="http://schemas.openxmlformats.org/officeDocument/2006/relationships" xmlns:p="http://schemas.openxmlformats.org/presentationml/2006/main">
+  <p:cSld>
+    <p:bg>
+      <p:bgPr>
+        <a:gradFill rotWithShape="1">
+          <a:gsLst>
+            <a:gs pos="0">
+              <a:schemeClr val="bg1">
+                <a:tint val="94000"/>
+                <a:satMod val="80000"/>
+                <a:lumMod val="106000"/>
+              </a:schemeClr>
+            </a:gs>
+            <a:gs pos="100000">
+              <a:schemeClr val="bg1">
+                <a:shade val="80000"/>
+              </a:schemeClr>
+            </a:gs>
+          </a:gsLst>
+          <a:path path="circle">
+            <a:fillToRect l="43000" r="43000" b="100000"/>
+          </a:path>
+        </a:gradFill>
+        <a:effectLst/>
+      </p:bgPr>
+    </p:bg>
+    <p:spTree>
+      <p:nvGrpSpPr>
+        <p:cNvPr id="1" name=""/>
+        <p:cNvGrpSpPr/>
+        <p:nvPr/>
+      </p:nvGrpSpPr>
+      <p:grpSpPr>
+        <a:xfrm>
+          <a:off x="0" y="0"/>
+          <a:ext cx="0" cy="0"/>
+          <a:chOff x="0" y="0"/>
+          <a:chExt cx="0" cy="0"/>
+        </a:xfrm>
+      </p:grpSpPr>
+      <p:sp>
+        <p:nvSpPr>
+          <p:cNvPr id="10" name="Rectangle 9">
+            <a:extLst>
+              <a:ext uri="{FF2B5EF4-FFF2-40B4-BE49-F238E27FC236}">
+                <a16:creationId xmlns:a16="http://schemas.microsoft.com/office/drawing/2014/main" id="{6B25638D-3D06-41D1-8060-4D2707C60AE8}"/>
+              </a:ext>
+              <a:ext uri="{C183D7F6-B498-43B3-948B-1728B52AA6E4}">
+                <adec:decorative xmlns:adec="http://schemas.microsoft.com/office/drawing/2017/decorative" val="1"/>
+              </a:ext>
+            </a:extLst>
+          </p:cNvPr>
+          <p:cNvSpPr>
+            <a:spLocks noGrp="1" noRot="1" noChangeAspect="1" noMove="1" noResize="1" noEditPoints="1" noAdjustHandles="1" noChangeArrowheads="1" noChangeShapeType="1" noTextEdit="1"/>
+          </p:cNvSpPr>
+          <p:nvPr>
+            <p:extLst>
+              <p:ext uri="{386F3935-93C4-4BCD-93E2-E3B085C9AB24}">
+                <p16:designElem xmlns:p16="http://schemas.microsoft.com/office/powerpoint/2015/main" val="1"/>
+              </p:ext>
+            </p:extLst>
+          </p:nvPr>
+        </p:nvSpPr>
+        <p:spPr>
+          <a:xfrm>
+            <a:off x="0" y="3622291"/>
+            <a:ext cx="12192000" cy="2505984"/>
+          </a:xfrm>
+          <a:prstGeom prst="rect">
+            <a:avLst/>
+          </a:prstGeom>
+          <a:gradFill flip="none" rotWithShape="1">
+            <a:gsLst>
+              <a:gs pos="0">
+                <a:schemeClr val="bg2">
+                  <a:alpha val="0"/>
+                </a:schemeClr>
+              </a:gs>
+              <a:gs pos="100000">
+                <a:schemeClr val="bg2">
+                  <a:alpha val="80000"/>
+                </a:schemeClr>
+              </a:gs>
+            </a:gsLst>
+            <a:lin ang="5400000" scaled="0"/>
+            <a:tileRect/>
+          </a:gradFill>
+          <a:ln>
+            <a:noFill/>
+          </a:ln>
+        </p:spPr>
+        <p:style>
+          <a:lnRef idx="2">
+            <a:schemeClr val="accent1">
+              <a:shade val="50000"/>
+            </a:schemeClr>
+          </a:lnRef>
+          <a:fillRef idx="1">
+            <a:schemeClr val="accent1"/>
+          </a:fillRef>
+          <a:effectRef idx="0">
+            <a:schemeClr val="accent1"/>
+          </a:effectRef>
+          <a:fontRef idx="minor">
+            <a:schemeClr val="lt1"/>
+          </a:fontRef>
+        </p:style>
+      </p:sp>
+      <p:pic>
+        <p:nvPicPr>
+          <p:cNvPr id="12" name="Picture 11">
+            <a:extLst>
+              <a:ext uri="{FF2B5EF4-FFF2-40B4-BE49-F238E27FC236}">
+                <a16:creationId xmlns:a16="http://schemas.microsoft.com/office/drawing/2014/main" id="{8161BB1E-0062-4056-AB94-121EF614D5FB}"/>
+              </a:ext>
+              <a:ext uri="{C183D7F6-B498-43B3-948B-1728B52AA6E4}">
+                <adec:decorative xmlns:adec="http://schemas.microsoft.com/office/drawing/2017/decorative" val="1"/>
+              </a:ext>
+            </a:extLst>
+          </p:cNvPr>
+          <p:cNvPicPr>
+            <a:picLocks noGrp="1" noRot="1" noChangeAspect="1" noMove="1" noResize="1" noEditPoints="1" noAdjustHandles="1" noChangeArrowheads="1" noChangeShapeType="1" noCrop="1"/>
+          </p:cNvPicPr>
+          <p:nvPr>
+            <p:extLst>
+              <p:ext uri="{386F3935-93C4-4BCD-93E2-E3B085C9AB24}">
+                <p16:designElem xmlns:p16="http://schemas.microsoft.com/office/powerpoint/2015/main" val="1"/>
+              </p:ext>
+            </p:extLst>
+          </p:nvPr>
+        </p:nvPicPr>
+        <p:blipFill rotWithShape="1">
+          <a:blip r:embed="rId2">
+            <a:extLst>
+              <a:ext uri="{28A0092B-C50C-407E-A947-70E740481C1C}">
+                <a14:useLocalDpi xmlns:a14="http://schemas.microsoft.com/office/drawing/2010/main" val="0"/>
+              </a:ext>
+            </a:extLst>
+          </a:blip>
+          <a:srcRect t="1538" b="-1538"/>
+          <a:stretch/>
+        </p:blipFill>
+        <p:spPr>
+          <a:xfrm>
+            <a:off x="0" y="6129338"/>
+            <a:ext cx="12192000" cy="742950"/>
+          </a:xfrm>
+          <a:prstGeom prst="rect">
+            <a:avLst/>
+          </a:prstGeom>
+        </p:spPr>
+      </p:pic>
+      <p:cxnSp>
+        <p:nvCxnSpPr>
+          <p:cNvPr id="14" name="Straight Connector 13">
+            <a:extLst>
+              <a:ext uri="{FF2B5EF4-FFF2-40B4-BE49-F238E27FC236}">
+                <a16:creationId xmlns:a16="http://schemas.microsoft.com/office/drawing/2014/main" id="{8FBC01E2-D629-4319-B5CB-BFA461B8CF30}"/>
+              </a:ext>
+              <a:ext uri="{C183D7F6-B498-43B3-948B-1728B52AA6E4}">
+                <adec:decorative xmlns:adec="http://schemas.microsoft.com/office/drawing/2017/decorative" val="1"/>
+              </a:ext>
+            </a:extLst>
+          </p:cNvPr>
+          <p:cNvCxnSpPr>
+            <a:cxnSpLocks noGrp="1" noRot="1" noChangeAspect="1" noMove="1" noResize="1" noEditPoints="1" noAdjustHandles="1" noChangeArrowheads="1" noChangeShapeType="1"/>
+          </p:cNvCxnSpPr>
+          <p:nvPr>
+            <p:extLst>
+              <p:ext uri="{386F3935-93C4-4BCD-93E2-E3B085C9AB24}">
+                <p16:designElem xmlns:p16="http://schemas.microsoft.com/office/powerpoint/2015/main" val="1"/>
+              </p:ext>
+            </p:extLst>
+          </p:nvPr>
+        </p:nvCxnSpPr>
+        <p:spPr>
+          <a:xfrm>
+            <a:off x="0" y="6138142"/>
+            <a:ext cx="12192000" cy="0"/>
+          </a:xfrm>
+          <a:prstGeom prst="line">
+            <a:avLst/>
+          </a:prstGeom>
+          <a:ln w="12700">
+            <a:solidFill>
+              <a:srgbClr val="000001">
+                <a:alpha val="20000"/>
+              </a:srgbClr>
+            </a:solidFill>
+          </a:ln>
+        </p:spPr>
+        <p:style>
+          <a:lnRef idx="1">
+            <a:schemeClr val="accent1"/>
+          </a:lnRef>
+          <a:fillRef idx="0">
+            <a:schemeClr val="accent1"/>
+          </a:fillRef>
+          <a:effectRef idx="0">
+            <a:schemeClr val="accent1"/>
+          </a:effectRef>
+          <a:fontRef idx="minor">
+            <a:schemeClr val="tx1"/>
+          </a:fontRef>
+        </p:style>
+      </p:cxnSp>
+      <p:sp>
+        <p:nvSpPr>
+          <p:cNvPr id="2" name="Titel 1">
+            <a:extLst>
+              <a:ext uri="{FF2B5EF4-FFF2-40B4-BE49-F238E27FC236}">
+                <a16:creationId xmlns:a16="http://schemas.microsoft.com/office/drawing/2014/main" id="{A009DDC7-E84F-4030-8598-EED6837BFB12}"/>
+              </a:ext>
+            </a:extLst>
+          </p:cNvPr>
+          <p:cNvSpPr>
+            <a:spLocks noGrp="1"/>
+          </p:cNvSpPr>
+          <p:nvPr>
+            <p:ph type="title"/>
+          </p:nvPr>
+        </p:nvSpPr>
+        <p:spPr>
+          <a:xfrm>
+            <a:off x="659301" y="1474968"/>
+            <a:ext cx="2823919" cy="1959037"/>
+          </a:xfrm>
+        </p:spPr>
+        <p:txBody>
+          <a:bodyPr vert="horz" lIns="91440" tIns="45720" rIns="91440" bIns="0" rtlCol="0" anchor="b">
+            <a:normAutofit/>
+          </a:bodyPr>
+          <a:lstStyle/>
+          <a:p>
+            <a:r>
+              <a:rPr lang="en-US" sz="3600" dirty="0" err="1"/>
+              <a:t>Architectuur</a:t>
+            </a:r>
+            <a:r>
+              <a:rPr lang="en-US" sz="3600" dirty="0"/>
+              <a:t> </a:t>
+            </a:r>
+            <a:r>
+              <a:rPr lang="en-US" sz="3600" dirty="0" err="1"/>
+              <a:t>ontwerp</a:t>
+            </a:r>
+            <a:endParaRPr lang="en-US" sz="3600" dirty="0"/>
+          </a:p>
+        </p:txBody>
+      </p:sp>
+      <p:grpSp>
+        <p:nvGrpSpPr>
+          <p:cNvPr id="16" name="Group 15">
+            <a:extLst>
+              <a:ext uri="{FF2B5EF4-FFF2-40B4-BE49-F238E27FC236}">
+                <a16:creationId xmlns:a16="http://schemas.microsoft.com/office/drawing/2014/main" id="{2A7F3A7D-1232-4BDE-ACB6-F7CDEF0668CF}"/>
+              </a:ext>
+              <a:ext uri="{C183D7F6-B498-43B3-948B-1728B52AA6E4}">
+                <adec:decorative xmlns:adec="http://schemas.microsoft.com/office/drawing/2017/decorative" val="1"/>
+              </a:ext>
+            </a:extLst>
+          </p:cNvPr>
+          <p:cNvGrpSpPr>
+            <a:grpSpLocks noGrp="1" noUngrp="1" noRot="1" noChangeAspect="1" noMove="1" noResize="1"/>
+          </p:cNvGrpSpPr>
+          <p:nvPr>
+            <p:extLst>
+              <p:ext uri="{386F3935-93C4-4BCD-93E2-E3B085C9AB24}">
+                <p16:designElem xmlns:p16="http://schemas.microsoft.com/office/powerpoint/2015/main" val="1"/>
+              </p:ext>
+            </p:extLst>
+          </p:nvPr>
+        </p:nvGrpSpPr>
+        <p:grpSpPr>
+          <a:xfrm>
+            <a:off x="3979389" y="482171"/>
+            <a:ext cx="7560115" cy="5149101"/>
+            <a:chOff x="3979389" y="482171"/>
+            <a:chExt cx="7560115" cy="5149101"/>
+          </a:xfrm>
+        </p:grpSpPr>
+        <p:sp>
+          <p:nvSpPr>
+            <p:cNvPr id="17" name="Rectangle 16">
+              <a:extLst>
+                <a:ext uri="{FF2B5EF4-FFF2-40B4-BE49-F238E27FC236}">
+                  <a16:creationId xmlns:a16="http://schemas.microsoft.com/office/drawing/2014/main" id="{EBC09455-A53B-4264-85C6-E119FCA7F0B3}"/>
+                </a:ext>
+                <a:ext uri="{C183D7F6-B498-43B3-948B-1728B52AA6E4}">
+                  <adec:decorative xmlns:adec="http://schemas.microsoft.com/office/drawing/2017/decorative" val="1"/>
+                </a:ext>
+              </a:extLst>
+            </p:cNvPr>
+            <p:cNvSpPr/>
+            <p:nvPr>
+              <p:extLst>
+                <p:ext uri="{386F3935-93C4-4BCD-93E2-E3B085C9AB24}">
+                  <p16:designElem xmlns:p16="http://schemas.microsoft.com/office/powerpoint/2015/main" val="1"/>
+                </p:ext>
+              </p:extLst>
+            </p:nvPr>
+          </p:nvSpPr>
+          <p:spPr>
+            <a:xfrm>
+              <a:off x="3979389" y="482171"/>
+              <a:ext cx="7560115" cy="5149101"/>
+            </a:xfrm>
+            <a:prstGeom prst="rect">
+              <a:avLst/>
+            </a:prstGeom>
+            <a:blipFill dpi="0" rotWithShape="1">
+              <a:blip r:embed="rId3">
+                <a:alphaModFix amt="30000"/>
+              </a:blip>
+              <a:srcRect/>
+              <a:tile tx="0" ty="0" sx="100000" sy="100000" flip="none" algn="ctr"/>
+            </a:blipFill>
+            <a:ln w="76200" cmpd="sng">
+              <a:noFill/>
+              <a:miter lim="800000"/>
+            </a:ln>
+            <a:effectLst>
+              <a:outerShdw blurRad="127000" dist="228600" dir="4740000" sx="98000" sy="98000" algn="tl" rotWithShape="0">
+                <a:srgbClr val="000000">
+                  <a:alpha val="34000"/>
+                </a:srgbClr>
+              </a:outerShdw>
+            </a:effectLst>
+            <a:scene3d>
+              <a:camera prst="orthographicFront"/>
+              <a:lightRig rig="threePt" dir="t"/>
+            </a:scene3d>
+            <a:sp3d extrusionH="76200" contourW="12700" prstMaterial="matte">
+              <a:bevelT w="152400" h="50800" prst="softRound"/>
+              <a:extrusionClr>
+                <a:schemeClr val="tx2"/>
+              </a:extrusionClr>
+              <a:contourClr>
+                <a:schemeClr val="bg2"/>
+              </a:contourClr>
+            </a:sp3d>
+          </p:spPr>
+          <p:style>
+            <a:lnRef idx="1">
+              <a:schemeClr val="accent1"/>
+            </a:lnRef>
+            <a:fillRef idx="3">
+              <a:schemeClr val="accent1"/>
+            </a:fillRef>
+            <a:effectRef idx="2">
+              <a:schemeClr val="accent1"/>
+            </a:effectRef>
+            <a:fontRef idx="minor">
+              <a:schemeClr val="lt1"/>
+            </a:fontRef>
+          </p:style>
+          <p:txBody>
+            <a:bodyPr rtlCol="0" anchor="ctr"/>
+            <a:lstStyle/>
+            <a:p>
+              <a:pPr algn="ctr"/>
+              <a:endParaRPr lang="en-US"/>
+            </a:p>
+          </p:txBody>
+        </p:sp>
+        <p:sp>
+          <p:nvSpPr>
+            <p:cNvPr id="18" name="Rectangle 17">
+              <a:extLst>
+                <a:ext uri="{FF2B5EF4-FFF2-40B4-BE49-F238E27FC236}">
+                  <a16:creationId xmlns:a16="http://schemas.microsoft.com/office/drawing/2014/main" id="{81446D1B-DF15-4E6B-A24E-4148357B9953}"/>
+                </a:ext>
+                <a:ext uri="{C183D7F6-B498-43B3-948B-1728B52AA6E4}">
+                  <adec:decorative xmlns:adec="http://schemas.microsoft.com/office/drawing/2017/decorative" val="1"/>
+                </a:ext>
+              </a:extLst>
+            </p:cNvPr>
+            <p:cNvSpPr/>
+            <p:nvPr>
+              <p:extLst>
+                <p:ext uri="{386F3935-93C4-4BCD-93E2-E3B085C9AB24}">
+                  <p16:designElem xmlns:p16="http://schemas.microsoft.com/office/powerpoint/2015/main" val="1"/>
+                </p:ext>
+              </p:extLst>
+            </p:nvPr>
+          </p:nvSpPr>
+          <p:spPr>
+            <a:xfrm>
+              <a:off x="4292448" y="812507"/>
+              <a:ext cx="6928279" cy="4466452"/>
+            </a:xfrm>
+            <a:prstGeom prst="rect">
+              <a:avLst/>
+            </a:prstGeom>
+            <a:gradFill>
+              <a:gsLst>
+                <a:gs pos="0">
+                  <a:srgbClr val="DADADA"/>
+                </a:gs>
+                <a:gs pos="100000">
+                  <a:srgbClr val="FFFFFE"/>
+                </a:gs>
+              </a:gsLst>
+              <a:lin ang="16200000" scaled="0"/>
+            </a:gradFill>
+            <a:ln w="38100" cmpd="sng">
+              <a:solidFill>
+                <a:schemeClr val="tx2">
+                  <a:lumMod val="25000"/>
+                </a:schemeClr>
+              </a:solidFill>
+              <a:miter lim="800000"/>
+            </a:ln>
+            <a:effectLst>
+              <a:innerShdw blurRad="63500" dist="88900" dir="14100000">
+                <a:srgbClr val="000000">
+                  <a:alpha val="30000"/>
+                </a:srgbClr>
+              </a:innerShdw>
+            </a:effectLst>
+            <a:scene3d>
+              <a:camera prst="orthographicFront"/>
+              <a:lightRig rig="threePt" dir="t"/>
+            </a:scene3d>
+            <a:sp3d>
+              <a:bevelT prst="relaxedInset"/>
+            </a:sp3d>
+          </p:spPr>
+          <p:style>
+            <a:lnRef idx="1">
+              <a:schemeClr val="accent1"/>
+            </a:lnRef>
+            <a:fillRef idx="3">
+              <a:schemeClr val="accent1"/>
+            </a:fillRef>
+            <a:effectRef idx="2">
+              <a:schemeClr val="accent1"/>
+            </a:effectRef>
+            <a:fontRef idx="minor">
+              <a:schemeClr val="lt1"/>
+            </a:fontRef>
+          </p:style>
+          <p:txBody>
+            <a:bodyPr rtlCol="0" anchor="ctr"/>
+            <a:lstStyle/>
+            <a:p>
+              <a:pPr algn="ctr"/>
+              <a:endParaRPr lang="en-US"/>
+            </a:p>
+          </p:txBody>
+        </p:sp>
+      </p:grpSp>
+      <p:sp>
+        <p:nvSpPr>
+          <p:cNvPr id="20" name="Rectangle 19">
+            <a:extLst>
+              <a:ext uri="{FF2B5EF4-FFF2-40B4-BE49-F238E27FC236}">
+                <a16:creationId xmlns:a16="http://schemas.microsoft.com/office/drawing/2014/main" id="{773D9643-4BC8-486D-8267-3577C8F0842D}"/>
+              </a:ext>
+              <a:ext uri="{C183D7F6-B498-43B3-948B-1728B52AA6E4}">
+                <adec:decorative xmlns:adec="http://schemas.microsoft.com/office/drawing/2017/decorative" val="1"/>
+              </a:ext>
+            </a:extLst>
+          </p:cNvPr>
+          <p:cNvSpPr>
+            <a:spLocks noGrp="1" noRot="1" noChangeAspect="1" noMove="1" noResize="1" noEditPoints="1" noAdjustHandles="1" noChangeArrowheads="1" noChangeShapeType="1" noTextEdit="1"/>
+          </p:cNvSpPr>
+          <p:nvPr>
+            <p:extLst>
+              <p:ext uri="{386F3935-93C4-4BCD-93E2-E3B085C9AB24}">
+                <p16:designElem xmlns:p16="http://schemas.microsoft.com/office/powerpoint/2015/main" val="1"/>
+              </p:ext>
+            </p:extLst>
+          </p:nvPr>
+        </p:nvSpPr>
+        <p:spPr>
+          <a:xfrm>
+            <a:off x="4456174" y="977099"/>
+            <a:ext cx="6620836" cy="4137268"/>
+          </a:xfrm>
+          <a:prstGeom prst="rect">
+            <a:avLst/>
+          </a:prstGeom>
+          <a:solidFill>
+            <a:srgbClr val="FFFFFE"/>
+          </a:solidFill>
+          <a:ln w="6350">
+            <a:solidFill>
+              <a:schemeClr val="tx2"/>
+            </a:solidFill>
+          </a:ln>
+        </p:spPr>
+        <p:style>
+          <a:lnRef idx="2">
+            <a:schemeClr val="accent1">
+              <a:shade val="50000"/>
+            </a:schemeClr>
+          </a:lnRef>
+          <a:fillRef idx="1">
+            <a:schemeClr val="accent1"/>
+          </a:fillRef>
+          <a:effectRef idx="0">
+            <a:schemeClr val="accent1"/>
+          </a:effectRef>
+          <a:fontRef idx="minor">
+            <a:schemeClr val="lt1"/>
+          </a:fontRef>
+        </p:style>
+        <p:txBody>
+          <a:bodyPr rtlCol="0" anchor="ctr"/>
+          <a:lstStyle/>
+          <a:p>
+            <a:pPr algn="ctr"/>
+            <a:endParaRPr lang="en-US"/>
+          </a:p>
+        </p:txBody>
+      </p:sp>
+      <p:pic>
+        <p:nvPicPr>
+          <p:cNvPr id="5" name="Tijdelijke aanduiding voor inhoud 4">
+            <a:extLst>
+              <a:ext uri="{FF2B5EF4-FFF2-40B4-BE49-F238E27FC236}">
+                <a16:creationId xmlns:a16="http://schemas.microsoft.com/office/drawing/2014/main" id="{576B5D7A-B321-4CDA-A3E1-04F94245BA59}"/>
+              </a:ext>
+            </a:extLst>
+          </p:cNvPr>
+          <p:cNvPicPr>
+            <a:picLocks noGrp="1" noChangeAspect="1"/>
+          </p:cNvPicPr>
+          <p:nvPr>
+            <p:ph idx="1"/>
+          </p:nvPr>
+        </p:nvPicPr>
+        <p:blipFill>
+          <a:blip r:embed="rId4">
+            <a:extLst>
+              <a:ext uri="{28A0092B-C50C-407E-A947-70E740481C1C}">
+                <a14:useLocalDpi xmlns:a14="http://schemas.microsoft.com/office/drawing/2010/main" val="0"/>
+              </a:ext>
+            </a:extLst>
+          </a:blip>
+          <a:stretch>
+            <a:fillRect/>
+          </a:stretch>
+        </p:blipFill>
+        <p:spPr>
+          <a:xfrm>
+            <a:off x="5664347" y="1116345"/>
+            <a:ext cx="4190972" cy="3866172"/>
+          </a:xfrm>
+          <a:prstGeom prst="rect">
+            <a:avLst/>
+          </a:prstGeom>
+        </p:spPr>
+      </p:pic>
+    </p:spTree>
+    <p:extLst>
+      <p:ext uri="{BB962C8B-B14F-4D97-AF65-F5344CB8AC3E}">
+        <p14:creationId xmlns:p14="http://schemas.microsoft.com/office/powerpoint/2010/main" val="1403620853"/>
+      </p:ext>
+    </p:extLst>
+  </p:cSld>
+  <p:clrMapOvr>
+    <a:masterClrMapping/>
+  </p:clrMapOvr>
+</p:sld>
+</file>
+
+<file path=ppt/slides/slide5.xml><?xml version="1.0" encoding="utf-8"?>
 <p:sld xmlns:a="http://schemas.openxmlformats.org/drawingml/2006/main" xmlns:r="http://schemas.openxmlformats.org/officeDocument/2006/relationships" xmlns:p="http://schemas.openxmlformats.org/presentationml/2006/main">
   <p:cSld>
     <p:bg>
@@ -3886,7 +4471,7 @@
 </p:sld>
 </file>
 
-<file path=ppt/slides/slide5.xml><?xml version="1.0" encoding="utf-8"?>
+<file path=ppt/slides/slide6.xml><?xml version="1.0" encoding="utf-8"?>
 <p:sld xmlns:a="http://schemas.openxmlformats.org/drawingml/2006/main" xmlns:r="http://schemas.openxmlformats.org/officeDocument/2006/relationships" xmlns:p="http://schemas.openxmlformats.org/presentationml/2006/main">
   <p:cSld>
     <p:spTree>
@@ -5698,7 +6283,7 @@
 </p:sld>
 </file>
 
-<file path=ppt/slides/slide6.xml><?xml version="1.0" encoding="utf-8"?>
+<file path=ppt/slides/slide7.xml><?xml version="1.0" encoding="utf-8"?>
 <p:sld xmlns:a="http://schemas.openxmlformats.org/drawingml/2006/main" xmlns:r="http://schemas.openxmlformats.org/officeDocument/2006/relationships" xmlns:p="http://schemas.openxmlformats.org/presentationml/2006/main">
   <p:cSld>
     <p:spTree>
@@ -6620,7 +7205,7 @@
 </p:sld>
 </file>
 
-<file path=ppt/slides/slide7.xml><?xml version="1.0" encoding="utf-8"?>
+<file path=ppt/slides/slide8.xml><?xml version="1.0" encoding="utf-8"?>
 <p:sld xmlns:a="http://schemas.openxmlformats.org/drawingml/2006/main" xmlns:r="http://schemas.openxmlformats.org/officeDocument/2006/relationships" xmlns:p="http://schemas.openxmlformats.org/presentationml/2006/main">
   <p:cSld>
     <p:spTree>
@@ -6713,7 +7298,7 @@
 </p:sld>
 </file>
 
-<file path=ppt/slides/slide8.xml><?xml version="1.0" encoding="utf-8"?>
+<file path=ppt/slides/slide9.xml><?xml version="1.0" encoding="utf-8"?>
 <p:sld xmlns:a="http://schemas.openxmlformats.org/drawingml/2006/main" xmlns:r="http://schemas.openxmlformats.org/officeDocument/2006/relationships" xmlns:p="http://schemas.openxmlformats.org/presentationml/2006/main">
   <p:cSld>
     <p:spTree>
